--- a/MyMindNotes 기획/소개 페이지 기획/소개 페이지 초안.pptx
+++ b/MyMindNotes 기획/소개 페이지 기획/소개 페이지 초안.pptx
@@ -113,6 +113,11 @@
       </a:defRPr>
     </a:lvl9pPr>
   </p:defaultTextStyle>
+  <p:extLst>
+    <p:ext uri="{EFAFB233-063F-42B5-8137-9DF3F51BA10A}">
+      <p15:sldGuideLst xmlns:p15="http://schemas.microsoft.com/office/powerpoint/2012/main"/>
+    </p:ext>
+  </p:extLst>
 </p:presentation>
 </file>
 
@@ -1546,12 +1551,13 @@
           <a:p>
             <a:r>
               <a:rPr lang="ko-KR" altLang="en-US" dirty="0"/>
-              <a:t>나는 왜 이런 감정을 느끼는 걸까요</a:t>
-            </a:r>
-            <a:r>
-              <a:rPr lang="en-US" altLang="ko-KR" dirty="0"/>
+              <a:t>나는 왜 이런 마음이 드는 걸까요</a:t>
+            </a:r>
+            <a:r>
+              <a:rPr lang="en-US" altLang="ko-KR"/>
               <a:t>?</a:t>
             </a:r>
+            <a:endParaRPr lang="en-US" altLang="ko-KR" dirty="0"/>
           </a:p>
           <a:p>
             <a:r>
